--- a/展示ppt.pptx
+++ b/展示ppt.pptx
@@ -563,7 +563,7 @@
           <a:bodyPr/>
           <a:lstStyle/>
           <a:p>
-            <a:endParaRPr lang="zh-CN" altLang="en-US"/>
+            <a:endParaRPr lang="zh-CN" altLang="en-US" dirty="0"/>
           </a:p>
         </p:txBody>
       </p:sp>
@@ -1862,7 +1862,31 @@
                 <a:ea typeface="+mn-ea"/>
                 <a:cs typeface="+mn-cs"/>
               </a:rPr>
-              <a:t>用户信息表：用户的主要信息，包括用户编号、用户名，登录时使用的邮箱和密码。要求用户名和邮箱唯一。</a:t>
+              <a:t>用户信息表：用户的主要信息，包括用户</a:t>
+            </a:r>
+            <a:r>
+              <a:rPr lang="en-US" altLang="zh-CN" sz="1200" kern="1200" dirty="0">
+                <a:solidFill>
+                  <a:schemeClr val="tx1"/>
+                </a:solidFill>
+                <a:effectLst/>
+                <a:latin typeface="+mn-lt"/>
+                <a:ea typeface="+mn-ea"/>
+                <a:cs typeface="+mn-cs"/>
+              </a:rPr>
+              <a:t>id</a:t>
+            </a:r>
+            <a:r>
+              <a:rPr lang="zh-CN" altLang="zh-CN" sz="1200" kern="1200" dirty="0">
+                <a:solidFill>
+                  <a:schemeClr val="tx1"/>
+                </a:solidFill>
+                <a:effectLst/>
+                <a:latin typeface="+mn-lt"/>
+                <a:ea typeface="+mn-ea"/>
+                <a:cs typeface="+mn-cs"/>
+              </a:rPr>
+              <a:t>、用户名，登录时使用的邮箱和密码。要求用户名和邮箱唯一。</a:t>
             </a:r>
             <a:endParaRPr lang="en-US" altLang="zh-CN" sz="1200" kern="1200" dirty="0">
               <a:solidFill>
@@ -2039,7 +2063,7 @@
                 <a:ea typeface="+mn-ea"/>
                 <a:cs typeface="+mn-cs"/>
               </a:rPr>
-              <a:t>物品信息表：包括物品号、物品名、详细描述、价格、数量、收藏人数和分类编号。要求物品名唯一。物品号是主码，分类编号是外码。</a:t>
+              <a:t>物品信息表：包括物品号、物品名、详细描述、价格、收藏人数和分类编号。要求物品名唯一。物品号是主码，分类编号是外码。</a:t>
             </a:r>
             <a:endParaRPr lang="en-US" altLang="zh-CN" sz="1200" kern="1200" dirty="0">
               <a:solidFill>
@@ -2318,7 +2342,7 @@
                 <a:ea typeface="+mn-ea"/>
                 <a:cs typeface="+mn-cs"/>
               </a:rPr>
-              <a:t>订单表：包括订单号、买家用户号、产品号、下单时间、数量、成交价格、订单状态。订单号是主码，买家用户号和产品号是外码。</a:t>
+              <a:t>订单表：包括订单号、买家用户号、产品号、下单时间、成交价格、订单状态。订单号是主码，买家用户号和产品号是外码。</a:t>
             </a:r>
             <a:endParaRPr lang="en-US" altLang="zh-CN" sz="1200" kern="1200" dirty="0">
               <a:solidFill>
@@ -2733,7 +2757,7 @@
               <a:defRPr/>
             </a:pPr>
             <a:r>
-              <a:rPr lang="zh-CN" altLang="en-US" sz="1200" kern="1200">
+              <a:rPr lang="zh-CN" altLang="en-US" sz="1200" kern="1200" dirty="0">
                 <a:solidFill>
                   <a:schemeClr val="tx1"/>
                 </a:solidFill>
@@ -22082,6 +22106,57 @@
           </a:p>
         </p:txBody>
       </p:sp>
+      <p:sp>
+        <p:nvSpPr>
+          <p:cNvPr id="2" name="文本框 1">
+            <a:extLst>
+              <a:ext uri="{FF2B5EF4-FFF2-40B4-BE49-F238E27FC236}">
+                <a16:creationId xmlns:a16="http://schemas.microsoft.com/office/drawing/2014/main" id="{CE1E7D46-18BC-47A9-8579-CB97AAE41AF2}"/>
+              </a:ext>
+            </a:extLst>
+          </p:cNvPr>
+          <p:cNvSpPr txBox="1"/>
+          <p:nvPr/>
+        </p:nvSpPr>
+        <p:spPr>
+          <a:xfrm>
+            <a:off x="8526162" y="5922165"/>
+            <a:ext cx="2397211" cy="646331"/>
+          </a:xfrm>
+          <a:prstGeom prst="rect">
+            <a:avLst/>
+          </a:prstGeom>
+          <a:noFill/>
+        </p:spPr>
+        <p:txBody>
+          <a:bodyPr wrap="square" rtlCol="0">
+            <a:spAutoFit/>
+          </a:bodyPr>
+          <a:lstStyle/>
+          <a:p>
+            <a:r>
+              <a:rPr lang="en-US" altLang="zh-CN" dirty="0"/>
+              <a:t>16061200</a:t>
+            </a:r>
+            <a:r>
+              <a:rPr lang="zh-CN" altLang="en-US" dirty="0"/>
+              <a:t>陈治齐</a:t>
+            </a:r>
+            <a:endParaRPr lang="en-US" altLang="zh-CN" dirty="0"/>
+          </a:p>
+          <a:p>
+            <a:r>
+              <a:rPr lang="en-US" altLang="zh-CN" dirty="0"/>
+              <a:t>16061202</a:t>
+            </a:r>
+            <a:r>
+              <a:rPr lang="zh-CN" altLang="en-US" dirty="0"/>
+              <a:t>胡俊崧</a:t>
+            </a:r>
+            <a:endParaRPr lang="en-US" altLang="zh-CN" dirty="0"/>
+          </a:p>
+        </p:txBody>
+      </p:sp>
     </p:spTree>
     <p:extLst>
       <p:ext uri="{BB962C8B-B14F-4D97-AF65-F5344CB8AC3E}">
@@ -23294,7 +23369,7 @@
           <a:graphicData uri="http://schemas.openxmlformats.org/presentationml/2006/ole">
             <mc:AlternateContent xmlns:mc="http://schemas.openxmlformats.org/markup-compatibility/2006">
               <mc:Choice xmlns:v="urn:schemas-microsoft-com:vml" Requires="v">
-                <p:oleObj spid="_x0000_s1101" name="Visio" r:id="rId4" imgW="9515312" imgH="3924351" progId="Visio.Drawing.15">
+                <p:oleObj spid="_x0000_s1108" name="Visio" r:id="rId4" imgW="9515312" imgH="3924351" progId="Visio.Drawing.15">
                   <p:embed/>
                 </p:oleObj>
               </mc:Choice>
@@ -23586,7 +23661,7 @@
           <a:graphicData uri="http://schemas.openxmlformats.org/presentationml/2006/ole">
             <mc:AlternateContent xmlns:mc="http://schemas.openxmlformats.org/markup-compatibility/2006">
               <mc:Choice xmlns:v="urn:schemas-microsoft-com:vml" Requires="v">
-                <p:oleObj spid="_x0000_s2057" name="Visio" r:id="rId4" imgW="9124861" imgH="5305534" progId="Visio.Drawing.15">
+                <p:oleObj spid="_x0000_s2064" name="Visio" r:id="rId4" imgW="9124861" imgH="5305534" progId="Visio.Drawing.15">
                   <p:embed/>
                 </p:oleObj>
               </mc:Choice>
@@ -24670,7 +24745,7 @@
         </p:nvSpPr>
         <p:spPr>
           <a:xfrm>
-            <a:off x="2543175" y="1868209"/>
+            <a:off x="2543175" y="2497976"/>
             <a:ext cx="7105650" cy="1862048"/>
           </a:xfrm>
           <a:prstGeom prst="rect">
@@ -24716,155 +24791,6 @@
                   <a:lumOff val="25000"/>
                 </a:schemeClr>
               </a:solidFill>
-              <a:latin typeface="iLiHei" panose="020B0503030403020204" pitchFamily="34" charset="-122"/>
-              <a:ea typeface="iLiHei" panose="020B0503030403020204" pitchFamily="34" charset="-122"/>
-              <a:cs typeface="iLiHei" panose="020B0503030403020204" pitchFamily="34" charset="-122"/>
-            </a:endParaRPr>
-          </a:p>
-        </p:txBody>
-      </p:sp>
-      <p:sp>
-        <p:nvSpPr>
-          <p:cNvPr id="62" name="文本框 61"/>
-          <p:cNvSpPr txBox="1"/>
-          <p:nvPr/>
-        </p:nvSpPr>
-        <p:spPr>
-          <a:xfrm>
-            <a:off x="2771775" y="3514069"/>
-            <a:ext cx="6648450" cy="769441"/>
-          </a:xfrm>
-          <a:prstGeom prst="rect">
-            <a:avLst/>
-          </a:prstGeom>
-          <a:noFill/>
-        </p:spPr>
-        <p:txBody>
-          <a:bodyPr wrap="square" rtlCol="0">
-            <a:spAutoFit/>
-          </a:bodyPr>
-          <a:lstStyle/>
-          <a:p>
-            <a:pPr algn="ctr"/>
-            <a:r>
-              <a:rPr lang="zh-CN" altLang="en-US" sz="4400" dirty="0">
-                <a:solidFill>
-                  <a:schemeClr val="tx1">
-                    <a:lumMod val="75000"/>
-                    <a:lumOff val="25000"/>
-                  </a:schemeClr>
-                </a:solidFill>
-                <a:effectLst>
-                  <a:outerShdw blurRad="63500" sx="102000" sy="102000" algn="ctr" rotWithShape="0">
-                    <a:prstClr val="black">
-                      <a:alpha val="40000"/>
-                    </a:prstClr>
-                  </a:outerShdw>
-                </a:effectLst>
-                <a:latin typeface="iLiHei" panose="020B0503030403020204" pitchFamily="34" charset="-122"/>
-                <a:ea typeface="iLiHei" panose="020B0503030403020204" pitchFamily="34" charset="-122"/>
-                <a:cs typeface="iLiHei" panose="020B0503030403020204" pitchFamily="34" charset="-122"/>
-              </a:rPr>
-              <a:t>每一次挑战</a:t>
-            </a:r>
-            <a:r>
-              <a:rPr lang="en-US" altLang="zh-CN" sz="4400" dirty="0">
-                <a:solidFill>
-                  <a:schemeClr val="tx1">
-                    <a:lumMod val="75000"/>
-                    <a:lumOff val="25000"/>
-                  </a:schemeClr>
-                </a:solidFill>
-                <a:effectLst>
-                  <a:outerShdw blurRad="63500" sx="102000" sy="102000" algn="ctr" rotWithShape="0">
-                    <a:prstClr val="black">
-                      <a:alpha val="40000"/>
-                    </a:prstClr>
-                  </a:outerShdw>
-                </a:effectLst>
-                <a:latin typeface="iLiHei" panose="020B0503030403020204" pitchFamily="34" charset="-122"/>
-                <a:ea typeface="iLiHei" panose="020B0503030403020204" pitchFamily="34" charset="-122"/>
-                <a:cs typeface="iLiHei" panose="020B0503030403020204" pitchFamily="34" charset="-122"/>
-              </a:rPr>
-              <a:t>·</a:t>
-            </a:r>
-            <a:r>
-              <a:rPr lang="zh-CN" altLang="en-US" sz="4400" dirty="0">
-                <a:solidFill>
-                  <a:schemeClr val="tx1">
-                    <a:lumMod val="75000"/>
-                    <a:lumOff val="25000"/>
-                  </a:schemeClr>
-                </a:solidFill>
-                <a:effectLst>
-                  <a:outerShdw blurRad="63500" sx="102000" sy="102000" algn="ctr" rotWithShape="0">
-                    <a:prstClr val="black">
-                      <a:alpha val="40000"/>
-                    </a:prstClr>
-                  </a:outerShdw>
-                </a:effectLst>
-                <a:latin typeface="iLiHei" panose="020B0503030403020204" pitchFamily="34" charset="-122"/>
-                <a:ea typeface="iLiHei" panose="020B0503030403020204" pitchFamily="34" charset="-122"/>
-                <a:cs typeface="iLiHei" panose="020B0503030403020204" pitchFamily="34" charset="-122"/>
-              </a:rPr>
-              <a:t>越努力</a:t>
-            </a:r>
-            <a:r>
-              <a:rPr lang="en-US" altLang="zh-CN" sz="4400" dirty="0">
-                <a:solidFill>
-                  <a:schemeClr val="tx1">
-                    <a:lumMod val="75000"/>
-                    <a:lumOff val="25000"/>
-                  </a:schemeClr>
-                </a:solidFill>
-                <a:effectLst>
-                  <a:outerShdw blurRad="63500" sx="102000" sy="102000" algn="ctr" rotWithShape="0">
-                    <a:prstClr val="black">
-                      <a:alpha val="40000"/>
-                    </a:prstClr>
-                  </a:outerShdw>
-                </a:effectLst>
-                <a:latin typeface="iLiHei" panose="020B0503030403020204" pitchFamily="34" charset="-122"/>
-                <a:ea typeface="iLiHei" panose="020B0503030403020204" pitchFamily="34" charset="-122"/>
-                <a:cs typeface="iLiHei" panose="020B0503030403020204" pitchFamily="34" charset="-122"/>
-              </a:rPr>
-              <a:t>·</a:t>
-            </a:r>
-            <a:r>
-              <a:rPr lang="zh-CN" altLang="en-US" sz="4400" dirty="0">
-                <a:solidFill>
-                  <a:schemeClr val="tx1">
-                    <a:lumMod val="75000"/>
-                    <a:lumOff val="25000"/>
-                  </a:schemeClr>
-                </a:solidFill>
-                <a:effectLst>
-                  <a:outerShdw blurRad="63500" sx="102000" sy="102000" algn="ctr" rotWithShape="0">
-                    <a:prstClr val="black">
-                      <a:alpha val="40000"/>
-                    </a:prstClr>
-                  </a:outerShdw>
-                </a:effectLst>
-                <a:latin typeface="iLiHei" panose="020B0503030403020204" pitchFamily="34" charset="-122"/>
-                <a:ea typeface="iLiHei" panose="020B0503030403020204" pitchFamily="34" charset="-122"/>
-                <a:cs typeface="iLiHei" panose="020B0503030403020204" pitchFamily="34" charset="-122"/>
-              </a:rPr>
-              <a:t>越幸运</a:t>
-            </a:r>
-            <a:endParaRPr lang="en-US" altLang="zh-CN" sz="4400" dirty="0">
-              <a:solidFill>
-                <a:schemeClr val="tx1">
-                  <a:lumMod val="75000"/>
-                  <a:lumOff val="25000"/>
-                </a:schemeClr>
-              </a:solidFill>
-              <a:effectLst>
-                <a:outerShdw blurRad="63500" sx="102000" sy="102000" algn="ctr" rotWithShape="0">
-                  <a:prstClr val="black">
-                    <a:alpha val="40000"/>
-                  </a:prstClr>
-                </a:outerShdw>
-              </a:effectLst>
               <a:latin typeface="iLiHei" panose="020B0503030403020204" pitchFamily="34" charset="-122"/>
               <a:ea typeface="iLiHei" panose="020B0503030403020204" pitchFamily="34" charset="-122"/>
               <a:cs typeface="iLiHei" panose="020B0503030403020204" pitchFamily="34" charset="-122"/>
@@ -24958,53 +24884,6 @@
                             </p:childTnLst>
                           </p:cTn>
                         </p:par>
-                        <p:par>
-                          <p:cTn id="8" fill="hold">
-                            <p:stCondLst>
-                              <p:cond delay="550"/>
-                            </p:stCondLst>
-                            <p:childTnLst>
-                              <p:par>
-                                <p:cTn id="9" presetID="10" presetClass="entr" presetSubtype="0" fill="hold" grpId="0" nodeType="afterEffect">
-                                  <p:stCondLst>
-                                    <p:cond delay="0"/>
-                                  </p:stCondLst>
-                                  <p:iterate type="wd">
-                                    <p:tmPct val="10000"/>
-                                  </p:iterate>
-                                  <p:childTnLst>
-                                    <p:set>
-                                      <p:cBhvr>
-                                        <p:cTn id="10" dur="1" fill="hold">
-                                          <p:stCondLst>
-                                            <p:cond delay="0"/>
-                                          </p:stCondLst>
-                                        </p:cTn>
-                                        <p:tgtEl>
-                                          <p:spTgt spid="62"/>
-                                        </p:tgtEl>
-                                        <p:attrNameLst>
-                                          <p:attrName>style.visibility</p:attrName>
-                                        </p:attrNameLst>
-                                      </p:cBhvr>
-                                      <p:to>
-                                        <p:strVal val="visible"/>
-                                      </p:to>
-                                    </p:set>
-                                    <p:animEffect transition="in" filter="fade">
-                                      <p:cBhvr>
-                                        <p:cTn id="11" dur="500"/>
-                                        <p:tgtEl>
-                                          <p:spTgt spid="62"/>
-                                        </p:tgtEl>
-                                      </p:cBhvr>
-                                    </p:animEffect>
-                                  </p:childTnLst>
-                                </p:cTn>
-                              </p:par>
-                            </p:childTnLst>
-                          </p:cTn>
-                        </p:par>
                       </p:childTnLst>
                     </p:cTn>
                   </p:par>
@@ -25031,7 +24910,6 @@
     </p:tnLst>
     <p:bldLst>
       <p:bldP spid="53" grpId="0"/>
-      <p:bldP spid="62" grpId="0"/>
     </p:bldLst>
   </p:timing>
 </p:sld>
